--- a/学习报告文本/学习报告.pptx
+++ b/学习报告文本/学习报告.pptx
@@ -4968,7 +4968,7 @@
         </p:blipFill>
         <p:spPr>
           <a:xfrm>
-            <a:off x="5384155" y="1442510"/>
+            <a:off x="5401300" y="1442510"/>
             <a:ext cx="1632585" cy="2177415"/>
           </a:xfrm>
           <a:prstGeom prst="rect">
@@ -5429,47 +5429,6 @@
           <a:p>
             <a:pPr algn="ctr"/>
             <a:endParaRPr lang="zh-CN" altLang="en-US"/>
-          </a:p>
-        </p:txBody>
-      </p:sp>
-      <p:sp>
-        <p:nvSpPr>
-          <p:cNvPr id="28" name="文本框 27"/>
-          <p:cNvSpPr txBox="1"/>
-          <p:nvPr/>
-        </p:nvSpPr>
-        <p:spPr>
-          <a:xfrm>
-            <a:off x="5292090" y="300990"/>
-            <a:ext cx="1645920" cy="6252210"/>
-          </a:xfrm>
-          <a:prstGeom prst="rect">
-            <a:avLst/>
-          </a:prstGeom>
-          <a:noFill/>
-        </p:spPr>
-        <p:txBody>
-          <a:bodyPr vert="eaVert" wrap="square" rtlCol="0">
-            <a:spAutoFit/>
-          </a:bodyPr>
-          <a:p>
-            <a:r>
-              <a:rPr lang="zh-CN" altLang="en-US" sz="9600">
-                <a:solidFill>
-                  <a:schemeClr val="bg1"/>
-                </a:solidFill>
-                <a:latin typeface="黑体" charset="0"/>
-                <a:ea typeface="黑体" charset="0"/>
-              </a:rPr>
-              <a:t>小组成员</a:t>
-            </a:r>
-            <a:endParaRPr lang="zh-CN" altLang="en-US" sz="9600">
-              <a:solidFill>
-                <a:schemeClr val="bg1"/>
-              </a:solidFill>
-              <a:latin typeface="黑体" charset="0"/>
-              <a:ea typeface="黑体" charset="0"/>
-            </a:endParaRPr>
           </a:p>
         </p:txBody>
       </p:sp>
